--- a/PPT-VOS.pptx
+++ b/PPT-VOS.pptx
@@ -13,6 +13,15 @@
     <p:sldId id="261" r:id="rId8"/>
     <p:sldId id="262" r:id="rId9"/>
     <p:sldId id="263" r:id="rId10"/>
+    <p:sldId id="264" r:id="rId11"/>
+    <p:sldId id="265" r:id="rId12"/>
+    <p:sldId id="266" r:id="rId13"/>
+    <p:sldId id="267" r:id="rId14"/>
+    <p:sldId id="268" r:id="rId15"/>
+    <p:sldId id="269" r:id="rId16"/>
+    <p:sldId id="270" r:id="rId17"/>
+    <p:sldId id="271" r:id="rId18"/>
+    <p:sldId id="272" r:id="rId19"/>
   </p:sldIdLst>
   <p:sldSz cx="10080625" cy="5670550"/>
   <p:notesSz cx="7559675" cy="10691812"/>
@@ -60,7 +69,7 @@
       </p:grpSpPr>
       <p:sp>
         <p:nvSpPr>
-          <p:cNvPr id="26" name="PlaceHolder 1"/>
+          <p:cNvPr id="23" name="PlaceHolder 1"/>
           <p:cNvSpPr>
             <a:spLocks noGrp="1"/>
           </p:cNvSpPr>
@@ -71,7 +80,7 @@
         <p:spPr>
           <a:xfrm>
             <a:off x="504000" y="226080"/>
-            <a:ext cx="9071640" cy="946440"/>
+            <a:ext cx="9071280" cy="946080"/>
           </a:xfrm>
           <a:prstGeom prst="rect">
             <a:avLst/>
@@ -91,7 +100,7 @@
       </p:sp>
       <p:sp>
         <p:nvSpPr>
-          <p:cNvPr id="27" name="PlaceHolder 2"/>
+          <p:cNvPr id="24" name="PlaceHolder 2"/>
           <p:cNvSpPr>
             <a:spLocks noGrp="1"/>
           </p:cNvSpPr>
@@ -102,7 +111,7 @@
         <p:spPr>
           <a:xfrm>
             <a:off x="504000" y="1326600"/>
-            <a:ext cx="9071640" cy="1568160"/>
+            <a:ext cx="9072000" cy="1568520"/>
           </a:xfrm>
           <a:prstGeom prst="rect">
             <a:avLst/>
@@ -121,7 +130,7 @@
       </p:sp>
       <p:sp>
         <p:nvSpPr>
-          <p:cNvPr id="28" name="PlaceHolder 3"/>
+          <p:cNvPr id="25" name="PlaceHolder 3"/>
           <p:cNvSpPr>
             <a:spLocks noGrp="1"/>
           </p:cNvSpPr>
@@ -131,8 +140,8 @@
         </p:nvSpPr>
         <p:spPr>
           <a:xfrm>
-            <a:off x="504000" y="3044160"/>
-            <a:ext cx="9071640" cy="1568160"/>
+            <a:off x="504000" y="3044520"/>
+            <a:ext cx="9072000" cy="1568520"/>
           </a:xfrm>
           <a:prstGeom prst="rect">
             <a:avLst/>
@@ -173,7 +182,7 @@
       </p:grpSpPr>
       <p:sp>
         <p:nvSpPr>
-          <p:cNvPr id="29" name="PlaceHolder 1"/>
+          <p:cNvPr id="26" name="PlaceHolder 1"/>
           <p:cNvSpPr>
             <a:spLocks noGrp="1"/>
           </p:cNvSpPr>
@@ -184,7 +193,7 @@
         <p:spPr>
           <a:xfrm>
             <a:off x="504000" y="226080"/>
-            <a:ext cx="9071640" cy="946440"/>
+            <a:ext cx="9071280" cy="946080"/>
           </a:xfrm>
           <a:prstGeom prst="rect">
             <a:avLst/>
@@ -204,7 +213,7 @@
       </p:sp>
       <p:sp>
         <p:nvSpPr>
-          <p:cNvPr id="30" name="PlaceHolder 2"/>
+          <p:cNvPr id="27" name="PlaceHolder 2"/>
           <p:cNvSpPr>
             <a:spLocks noGrp="1"/>
           </p:cNvSpPr>
@@ -215,7 +224,7 @@
         <p:spPr>
           <a:xfrm>
             <a:off x="504000" y="1326600"/>
-            <a:ext cx="4426920" cy="1568160"/>
+            <a:ext cx="4426920" cy="1568520"/>
           </a:xfrm>
           <a:prstGeom prst="rect">
             <a:avLst/>
@@ -234,7 +243,7 @@
       </p:sp>
       <p:sp>
         <p:nvSpPr>
-          <p:cNvPr id="31" name="PlaceHolder 3"/>
+          <p:cNvPr id="28" name="PlaceHolder 3"/>
           <p:cNvSpPr>
             <a:spLocks noGrp="1"/>
           </p:cNvSpPr>
@@ -245,7 +254,7 @@
         <p:spPr>
           <a:xfrm>
             <a:off x="5152680" y="1326600"/>
-            <a:ext cx="4426920" cy="1568160"/>
+            <a:ext cx="4426920" cy="1568520"/>
           </a:xfrm>
           <a:prstGeom prst="rect">
             <a:avLst/>
@@ -264,7 +273,7 @@
       </p:sp>
       <p:sp>
         <p:nvSpPr>
-          <p:cNvPr id="32" name="PlaceHolder 4"/>
+          <p:cNvPr id="29" name="PlaceHolder 4"/>
           <p:cNvSpPr>
             <a:spLocks noGrp="1"/>
           </p:cNvSpPr>
@@ -274,8 +283,8 @@
         </p:nvSpPr>
         <p:spPr>
           <a:xfrm>
-            <a:off x="504000" y="3044160"/>
-            <a:ext cx="4426920" cy="1568160"/>
+            <a:off x="504000" y="3044520"/>
+            <a:ext cx="4426920" cy="1568520"/>
           </a:xfrm>
           <a:prstGeom prst="rect">
             <a:avLst/>
@@ -294,7 +303,7 @@
       </p:sp>
       <p:sp>
         <p:nvSpPr>
-          <p:cNvPr id="33" name="PlaceHolder 5"/>
+          <p:cNvPr id="30" name="PlaceHolder 5"/>
           <p:cNvSpPr>
             <a:spLocks noGrp="1"/>
           </p:cNvSpPr>
@@ -304,8 +313,8 @@
         </p:nvSpPr>
         <p:spPr>
           <a:xfrm>
-            <a:off x="5152680" y="3044160"/>
-            <a:ext cx="4426920" cy="1568160"/>
+            <a:off x="5152680" y="3044520"/>
+            <a:ext cx="4426920" cy="1568520"/>
           </a:xfrm>
           <a:prstGeom prst="rect">
             <a:avLst/>
@@ -346,7 +355,7 @@
       </p:grpSpPr>
       <p:sp>
         <p:nvSpPr>
-          <p:cNvPr id="34" name="PlaceHolder 1"/>
+          <p:cNvPr id="31" name="PlaceHolder 1"/>
           <p:cNvSpPr>
             <a:spLocks noGrp="1"/>
           </p:cNvSpPr>
@@ -357,7 +366,7 @@
         <p:spPr>
           <a:xfrm>
             <a:off x="504000" y="226080"/>
-            <a:ext cx="9071640" cy="946440"/>
+            <a:ext cx="9071280" cy="946080"/>
           </a:xfrm>
           <a:prstGeom prst="rect">
             <a:avLst/>
@@ -377,7 +386,7 @@
       </p:sp>
       <p:sp>
         <p:nvSpPr>
-          <p:cNvPr id="35" name="PlaceHolder 2"/>
+          <p:cNvPr id="32" name="PlaceHolder 2"/>
           <p:cNvSpPr>
             <a:spLocks noGrp="1"/>
           </p:cNvSpPr>
@@ -388,7 +397,7 @@
         <p:spPr>
           <a:xfrm>
             <a:off x="504000" y="1326600"/>
-            <a:ext cx="2920680" cy="1568160"/>
+            <a:ext cx="2921040" cy="1568520"/>
           </a:xfrm>
           <a:prstGeom prst="rect">
             <a:avLst/>
@@ -407,7 +416,7 @@
       </p:sp>
       <p:sp>
         <p:nvSpPr>
-          <p:cNvPr id="36" name="PlaceHolder 3"/>
+          <p:cNvPr id="33" name="PlaceHolder 3"/>
           <p:cNvSpPr>
             <a:spLocks noGrp="1"/>
           </p:cNvSpPr>
@@ -417,8 +426,8 @@
         </p:nvSpPr>
         <p:spPr>
           <a:xfrm>
-            <a:off x="3571200" y="1326600"/>
-            <a:ext cx="2920680" cy="1568160"/>
+            <a:off x="3571560" y="1326600"/>
+            <a:ext cx="2921040" cy="1568520"/>
           </a:xfrm>
           <a:prstGeom prst="rect">
             <a:avLst/>
@@ -437,7 +446,7 @@
       </p:sp>
       <p:sp>
         <p:nvSpPr>
-          <p:cNvPr id="37" name="PlaceHolder 4"/>
+          <p:cNvPr id="34" name="PlaceHolder 4"/>
           <p:cNvSpPr>
             <a:spLocks noGrp="1"/>
           </p:cNvSpPr>
@@ -447,8 +456,8 @@
         </p:nvSpPr>
         <p:spPr>
           <a:xfrm>
-            <a:off x="6638040" y="1326600"/>
-            <a:ext cx="2920680" cy="1568160"/>
+            <a:off x="6639120" y="1326600"/>
+            <a:ext cx="2921040" cy="1568520"/>
           </a:xfrm>
           <a:prstGeom prst="rect">
             <a:avLst/>
@@ -467,7 +476,7 @@
       </p:sp>
       <p:sp>
         <p:nvSpPr>
-          <p:cNvPr id="38" name="PlaceHolder 5"/>
+          <p:cNvPr id="35" name="PlaceHolder 5"/>
           <p:cNvSpPr>
             <a:spLocks noGrp="1"/>
           </p:cNvSpPr>
@@ -477,8 +486,8 @@
         </p:nvSpPr>
         <p:spPr>
           <a:xfrm>
-            <a:off x="504000" y="3044160"/>
-            <a:ext cx="2920680" cy="1568160"/>
+            <a:off x="504000" y="3044520"/>
+            <a:ext cx="2921040" cy="1568520"/>
           </a:xfrm>
           <a:prstGeom prst="rect">
             <a:avLst/>
@@ -497,7 +506,7 @@
       </p:sp>
       <p:sp>
         <p:nvSpPr>
-          <p:cNvPr id="39" name="PlaceHolder 6"/>
+          <p:cNvPr id="36" name="PlaceHolder 6"/>
           <p:cNvSpPr>
             <a:spLocks noGrp="1"/>
           </p:cNvSpPr>
@@ -507,8 +516,8 @@
         </p:nvSpPr>
         <p:spPr>
           <a:xfrm>
-            <a:off x="3571200" y="3044160"/>
-            <a:ext cx="2920680" cy="1568160"/>
+            <a:off x="3571560" y="3044520"/>
+            <a:ext cx="2921040" cy="1568520"/>
           </a:xfrm>
           <a:prstGeom prst="rect">
             <a:avLst/>
@@ -527,7 +536,7 @@
       </p:sp>
       <p:sp>
         <p:nvSpPr>
-          <p:cNvPr id="40" name="PlaceHolder 7"/>
+          <p:cNvPr id="37" name="PlaceHolder 7"/>
           <p:cNvSpPr>
             <a:spLocks noGrp="1"/>
           </p:cNvSpPr>
@@ -537,8 +546,8 @@
         </p:nvSpPr>
         <p:spPr>
           <a:xfrm>
-            <a:off x="6638040" y="3044160"/>
-            <a:ext cx="2920680" cy="1568160"/>
+            <a:off x="6639120" y="3044520"/>
+            <a:ext cx="2921040" cy="1568520"/>
           </a:xfrm>
           <a:prstGeom prst="rect">
             <a:avLst/>
@@ -579,7 +588,7 @@
       </p:grpSpPr>
       <p:sp>
         <p:nvSpPr>
-          <p:cNvPr id="5" name="PlaceHolder 1"/>
+          <p:cNvPr id="2" name="PlaceHolder 1"/>
           <p:cNvSpPr>
             <a:spLocks noGrp="1"/>
           </p:cNvSpPr>
@@ -590,7 +599,7 @@
         <p:spPr>
           <a:xfrm>
             <a:off x="504000" y="226080"/>
-            <a:ext cx="9071640" cy="946440"/>
+            <a:ext cx="9071280" cy="946080"/>
           </a:xfrm>
           <a:prstGeom prst="rect">
             <a:avLst/>
@@ -610,7 +619,7 @@
       </p:sp>
       <p:sp>
         <p:nvSpPr>
-          <p:cNvPr id="6" name="PlaceHolder 2"/>
+          <p:cNvPr id="3" name="PlaceHolder 2"/>
           <p:cNvSpPr>
             <a:spLocks noGrp="1"/>
           </p:cNvSpPr>
@@ -621,7 +630,7 @@
         <p:spPr>
           <a:xfrm>
             <a:off x="504000" y="1326600"/>
-            <a:ext cx="9071640" cy="3288240"/>
+            <a:ext cx="9072000" cy="3288600"/>
           </a:xfrm>
           <a:prstGeom prst="rect">
             <a:avLst/>
@@ -663,7 +672,7 @@
       </p:grpSpPr>
       <p:sp>
         <p:nvSpPr>
-          <p:cNvPr id="7" name="PlaceHolder 1"/>
+          <p:cNvPr id="4" name="PlaceHolder 1"/>
           <p:cNvSpPr>
             <a:spLocks noGrp="1"/>
           </p:cNvSpPr>
@@ -674,7 +683,7 @@
         <p:spPr>
           <a:xfrm>
             <a:off x="504000" y="226080"/>
-            <a:ext cx="9071640" cy="946440"/>
+            <a:ext cx="9071280" cy="946080"/>
           </a:xfrm>
           <a:prstGeom prst="rect">
             <a:avLst/>
@@ -694,7 +703,7 @@
       </p:sp>
       <p:sp>
         <p:nvSpPr>
-          <p:cNvPr id="8" name="PlaceHolder 2"/>
+          <p:cNvPr id="5" name="PlaceHolder 2"/>
           <p:cNvSpPr>
             <a:spLocks noGrp="1"/>
           </p:cNvSpPr>
@@ -705,7 +714,7 @@
         <p:spPr>
           <a:xfrm>
             <a:off x="504000" y="1326600"/>
-            <a:ext cx="9071640" cy="3288240"/>
+            <a:ext cx="9072000" cy="3288600"/>
           </a:xfrm>
           <a:prstGeom prst="rect">
             <a:avLst/>
@@ -746,7 +755,7 @@
       </p:grpSpPr>
       <p:sp>
         <p:nvSpPr>
-          <p:cNvPr id="9" name="PlaceHolder 1"/>
+          <p:cNvPr id="6" name="PlaceHolder 1"/>
           <p:cNvSpPr>
             <a:spLocks noGrp="1"/>
           </p:cNvSpPr>
@@ -757,7 +766,7 @@
         <p:spPr>
           <a:xfrm>
             <a:off x="504000" y="226080"/>
-            <a:ext cx="9071640" cy="946440"/>
+            <a:ext cx="9071280" cy="946080"/>
           </a:xfrm>
           <a:prstGeom prst="rect">
             <a:avLst/>
@@ -777,7 +786,7 @@
       </p:sp>
       <p:sp>
         <p:nvSpPr>
-          <p:cNvPr id="10" name="PlaceHolder 2"/>
+          <p:cNvPr id="7" name="PlaceHolder 2"/>
           <p:cNvSpPr>
             <a:spLocks noGrp="1"/>
           </p:cNvSpPr>
@@ -788,7 +797,7 @@
         <p:spPr>
           <a:xfrm>
             <a:off x="504000" y="1326600"/>
-            <a:ext cx="4426920" cy="3288240"/>
+            <a:ext cx="4426920" cy="3288600"/>
           </a:xfrm>
           <a:prstGeom prst="rect">
             <a:avLst/>
@@ -807,7 +816,7 @@
       </p:sp>
       <p:sp>
         <p:nvSpPr>
-          <p:cNvPr id="11" name="PlaceHolder 3"/>
+          <p:cNvPr id="8" name="PlaceHolder 3"/>
           <p:cNvSpPr>
             <a:spLocks noGrp="1"/>
           </p:cNvSpPr>
@@ -818,7 +827,7 @@
         <p:spPr>
           <a:xfrm>
             <a:off x="5152680" y="1326600"/>
-            <a:ext cx="4426920" cy="3288240"/>
+            <a:ext cx="4426920" cy="3288600"/>
           </a:xfrm>
           <a:prstGeom prst="rect">
             <a:avLst/>
@@ -859,7 +868,7 @@
       </p:grpSpPr>
       <p:sp>
         <p:nvSpPr>
-          <p:cNvPr id="12" name="PlaceHolder 1"/>
+          <p:cNvPr id="9" name="PlaceHolder 1"/>
           <p:cNvSpPr>
             <a:spLocks noGrp="1"/>
           </p:cNvSpPr>
@@ -870,7 +879,7 @@
         <p:spPr>
           <a:xfrm>
             <a:off x="504000" y="226080"/>
-            <a:ext cx="9071640" cy="946440"/>
+            <a:ext cx="9071280" cy="946080"/>
           </a:xfrm>
           <a:prstGeom prst="rect">
             <a:avLst/>
@@ -912,7 +921,7 @@
       </p:grpSpPr>
       <p:sp>
         <p:nvSpPr>
-          <p:cNvPr id="13" name="PlaceHolder 1"/>
+          <p:cNvPr id="10" name="PlaceHolder 1"/>
           <p:cNvSpPr>
             <a:spLocks noGrp="1"/>
           </p:cNvSpPr>
@@ -923,7 +932,7 @@
         <p:spPr>
           <a:xfrm>
             <a:off x="504000" y="226080"/>
-            <a:ext cx="9071640" cy="4388400"/>
+            <a:ext cx="9071280" cy="4386600"/>
           </a:xfrm>
           <a:prstGeom prst="rect">
             <a:avLst/>
@@ -965,7 +974,7 @@
       </p:grpSpPr>
       <p:sp>
         <p:nvSpPr>
-          <p:cNvPr id="14" name="PlaceHolder 1"/>
+          <p:cNvPr id="11" name="PlaceHolder 1"/>
           <p:cNvSpPr>
             <a:spLocks noGrp="1"/>
           </p:cNvSpPr>
@@ -976,7 +985,7 @@
         <p:spPr>
           <a:xfrm>
             <a:off x="504000" y="226080"/>
-            <a:ext cx="9071640" cy="946440"/>
+            <a:ext cx="9071280" cy="946080"/>
           </a:xfrm>
           <a:prstGeom prst="rect">
             <a:avLst/>
@@ -996,7 +1005,7 @@
       </p:sp>
       <p:sp>
         <p:nvSpPr>
-          <p:cNvPr id="15" name="PlaceHolder 2"/>
+          <p:cNvPr id="12" name="PlaceHolder 2"/>
           <p:cNvSpPr>
             <a:spLocks noGrp="1"/>
           </p:cNvSpPr>
@@ -1007,7 +1016,7 @@
         <p:spPr>
           <a:xfrm>
             <a:off x="504000" y="1326600"/>
-            <a:ext cx="4426920" cy="1568160"/>
+            <a:ext cx="4426920" cy="1568520"/>
           </a:xfrm>
           <a:prstGeom prst="rect">
             <a:avLst/>
@@ -1026,7 +1035,7 @@
       </p:sp>
       <p:sp>
         <p:nvSpPr>
-          <p:cNvPr id="16" name="PlaceHolder 3"/>
+          <p:cNvPr id="13" name="PlaceHolder 3"/>
           <p:cNvSpPr>
             <a:spLocks noGrp="1"/>
           </p:cNvSpPr>
@@ -1037,7 +1046,7 @@
         <p:spPr>
           <a:xfrm>
             <a:off x="5152680" y="1326600"/>
-            <a:ext cx="4426920" cy="3288240"/>
+            <a:ext cx="4426920" cy="3288600"/>
           </a:xfrm>
           <a:prstGeom prst="rect">
             <a:avLst/>
@@ -1056,7 +1065,7 @@
       </p:sp>
       <p:sp>
         <p:nvSpPr>
-          <p:cNvPr id="17" name="PlaceHolder 4"/>
+          <p:cNvPr id="14" name="PlaceHolder 4"/>
           <p:cNvSpPr>
             <a:spLocks noGrp="1"/>
           </p:cNvSpPr>
@@ -1066,8 +1075,8 @@
         </p:nvSpPr>
         <p:spPr>
           <a:xfrm>
-            <a:off x="504000" y="3044160"/>
-            <a:ext cx="4426920" cy="1568160"/>
+            <a:off x="504000" y="3044520"/>
+            <a:ext cx="4426920" cy="1568520"/>
           </a:xfrm>
           <a:prstGeom prst="rect">
             <a:avLst/>
@@ -1108,7 +1117,7 @@
       </p:grpSpPr>
       <p:sp>
         <p:nvSpPr>
-          <p:cNvPr id="18" name="PlaceHolder 1"/>
+          <p:cNvPr id="15" name="PlaceHolder 1"/>
           <p:cNvSpPr>
             <a:spLocks noGrp="1"/>
           </p:cNvSpPr>
@@ -1119,7 +1128,7 @@
         <p:spPr>
           <a:xfrm>
             <a:off x="504000" y="226080"/>
-            <a:ext cx="9071640" cy="946440"/>
+            <a:ext cx="9071280" cy="946080"/>
           </a:xfrm>
           <a:prstGeom prst="rect">
             <a:avLst/>
@@ -1139,7 +1148,7 @@
       </p:sp>
       <p:sp>
         <p:nvSpPr>
-          <p:cNvPr id="19" name="PlaceHolder 2"/>
+          <p:cNvPr id="16" name="PlaceHolder 2"/>
           <p:cNvSpPr>
             <a:spLocks noGrp="1"/>
           </p:cNvSpPr>
@@ -1150,7 +1159,7 @@
         <p:spPr>
           <a:xfrm>
             <a:off x="504000" y="1326600"/>
-            <a:ext cx="4426920" cy="3288240"/>
+            <a:ext cx="4426920" cy="3288600"/>
           </a:xfrm>
           <a:prstGeom prst="rect">
             <a:avLst/>
@@ -1169,7 +1178,7 @@
       </p:sp>
       <p:sp>
         <p:nvSpPr>
-          <p:cNvPr id="20" name="PlaceHolder 3"/>
+          <p:cNvPr id="17" name="PlaceHolder 3"/>
           <p:cNvSpPr>
             <a:spLocks noGrp="1"/>
           </p:cNvSpPr>
@@ -1180,7 +1189,7 @@
         <p:spPr>
           <a:xfrm>
             <a:off x="5152680" y="1326600"/>
-            <a:ext cx="4426920" cy="1568160"/>
+            <a:ext cx="4426920" cy="1568520"/>
           </a:xfrm>
           <a:prstGeom prst="rect">
             <a:avLst/>
@@ -1199,7 +1208,7 @@
       </p:sp>
       <p:sp>
         <p:nvSpPr>
-          <p:cNvPr id="21" name="PlaceHolder 4"/>
+          <p:cNvPr id="18" name="PlaceHolder 4"/>
           <p:cNvSpPr>
             <a:spLocks noGrp="1"/>
           </p:cNvSpPr>
@@ -1209,8 +1218,8 @@
         </p:nvSpPr>
         <p:spPr>
           <a:xfrm>
-            <a:off x="5152680" y="3044160"/>
-            <a:ext cx="4426920" cy="1568160"/>
+            <a:off x="5152680" y="3044520"/>
+            <a:ext cx="4426920" cy="1568520"/>
           </a:xfrm>
           <a:prstGeom prst="rect">
             <a:avLst/>
@@ -1251,7 +1260,7 @@
       </p:grpSpPr>
       <p:sp>
         <p:nvSpPr>
-          <p:cNvPr id="22" name="PlaceHolder 1"/>
+          <p:cNvPr id="19" name="PlaceHolder 1"/>
           <p:cNvSpPr>
             <a:spLocks noGrp="1"/>
           </p:cNvSpPr>
@@ -1262,7 +1271,7 @@
         <p:spPr>
           <a:xfrm>
             <a:off x="504000" y="226080"/>
-            <a:ext cx="9071640" cy="946440"/>
+            <a:ext cx="9071280" cy="946080"/>
           </a:xfrm>
           <a:prstGeom prst="rect">
             <a:avLst/>
@@ -1282,7 +1291,7 @@
       </p:sp>
       <p:sp>
         <p:nvSpPr>
-          <p:cNvPr id="23" name="PlaceHolder 2"/>
+          <p:cNvPr id="20" name="PlaceHolder 2"/>
           <p:cNvSpPr>
             <a:spLocks noGrp="1"/>
           </p:cNvSpPr>
@@ -1293,7 +1302,7 @@
         <p:spPr>
           <a:xfrm>
             <a:off x="504000" y="1326600"/>
-            <a:ext cx="4426920" cy="1568160"/>
+            <a:ext cx="4426920" cy="1568520"/>
           </a:xfrm>
           <a:prstGeom prst="rect">
             <a:avLst/>
@@ -1312,7 +1321,7 @@
       </p:sp>
       <p:sp>
         <p:nvSpPr>
-          <p:cNvPr id="24" name="PlaceHolder 3"/>
+          <p:cNvPr id="21" name="PlaceHolder 3"/>
           <p:cNvSpPr>
             <a:spLocks noGrp="1"/>
           </p:cNvSpPr>
@@ -1323,7 +1332,7 @@
         <p:spPr>
           <a:xfrm>
             <a:off x="5152680" y="1326600"/>
-            <a:ext cx="4426920" cy="1568160"/>
+            <a:ext cx="4426920" cy="1568520"/>
           </a:xfrm>
           <a:prstGeom prst="rect">
             <a:avLst/>
@@ -1342,7 +1351,7 @@
       </p:sp>
       <p:sp>
         <p:nvSpPr>
-          <p:cNvPr id="25" name="PlaceHolder 4"/>
+          <p:cNvPr id="22" name="PlaceHolder 4"/>
           <p:cNvSpPr>
             <a:spLocks noGrp="1"/>
           </p:cNvSpPr>
@@ -1352,8 +1361,8 @@
         </p:nvSpPr>
         <p:spPr>
           <a:xfrm>
-            <a:off x="504000" y="3044160"/>
-            <a:ext cx="9071640" cy="1568160"/>
+            <a:off x="504000" y="3044520"/>
+            <a:ext cx="9072000" cy="1568520"/>
           </a:xfrm>
           <a:prstGeom prst="rect">
             <a:avLst/>
@@ -1405,7 +1414,7 @@
         <p:spPr>
           <a:xfrm>
             <a:off x="504000" y="226080"/>
-            <a:ext cx="9071640" cy="946440"/>
+            <a:ext cx="9071280" cy="946080"/>
           </a:xfrm>
           <a:prstGeom prst="rect">
             <a:avLst/>
@@ -1418,12 +1427,12 @@
           <a:p>
             <a:pPr algn="ctr"/>
             <a:r>
-              <a:rPr b="0" lang="en-ID" sz="4400" spc="-1" strike="noStrike">
+              <a:rPr b="0" lang="en-ID" sz="1800" spc="-1" strike="noStrike">
                 <a:latin typeface="Arial"/>
               </a:rPr>
               <a:t>Click to edit the title text format</a:t>
             </a:r>
-            <a:endParaRPr b="0" lang="en-ID" sz="4400" spc="-1" strike="noStrike">
+            <a:endParaRPr b="0" lang="en-ID" sz="1800" spc="-1" strike="noStrike">
               <a:latin typeface="Arial"/>
             </a:endParaRPr>
           </a:p>
@@ -1442,7 +1451,7 @@
         <p:spPr>
           <a:xfrm>
             <a:off x="504000" y="1326600"/>
-            <a:ext cx="9071640" cy="3288240"/>
+            <a:ext cx="9072000" cy="3288600"/>
           </a:xfrm>
           <a:prstGeom prst="rect">
             <a:avLst/>
@@ -1604,116 +1613,6 @@
             </a:r>
             <a:endParaRPr b="0" lang="en-ID" sz="2000" spc="-1" strike="noStrike">
               <a:latin typeface="Arial"/>
-            </a:endParaRPr>
-          </a:p>
-        </p:txBody>
-      </p:sp>
-      <p:sp>
-        <p:nvSpPr>
-          <p:cNvPr id="2" name="PlaceHolder 3"/>
-          <p:cNvSpPr>
-            <a:spLocks noGrp="1"/>
-          </p:cNvSpPr>
-          <p:nvPr>
-            <p:ph type="dt"/>
-          </p:nvPr>
-        </p:nvSpPr>
-        <p:spPr>
-          <a:xfrm>
-            <a:off x="504000" y="5165280"/>
-            <a:ext cx="2348280" cy="390600"/>
-          </a:xfrm>
-          <a:prstGeom prst="rect">
-            <a:avLst/>
-          </a:prstGeom>
-        </p:spPr>
-        <p:txBody>
-          <a:bodyPr lIns="0" rIns="0" tIns="0" bIns="0">
-            <a:noAutofit/>
-          </a:bodyPr>
-          <a:p>
-            <a:r>
-              <a:rPr b="0" lang="en-ID" sz="1400" spc="-1" strike="noStrike">
-                <a:latin typeface="Times New Roman"/>
-              </a:rPr>
-              <a:t>&lt;date/time&gt;</a:t>
-            </a:r>
-            <a:endParaRPr b="0" lang="en-ID" sz="1400" spc="-1" strike="noStrike">
-              <a:latin typeface="Times New Roman"/>
-            </a:endParaRPr>
-          </a:p>
-        </p:txBody>
-      </p:sp>
-      <p:sp>
-        <p:nvSpPr>
-          <p:cNvPr id="3" name="PlaceHolder 4"/>
-          <p:cNvSpPr>
-            <a:spLocks noGrp="1"/>
-          </p:cNvSpPr>
-          <p:nvPr>
-            <p:ph type="ftr"/>
-          </p:nvPr>
-        </p:nvSpPr>
-        <p:spPr>
-          <a:xfrm>
-            <a:off x="3447360" y="5165280"/>
-            <a:ext cx="3195000" cy="390600"/>
-          </a:xfrm>
-          <a:prstGeom prst="rect">
-            <a:avLst/>
-          </a:prstGeom>
-        </p:spPr>
-        <p:txBody>
-          <a:bodyPr lIns="0" rIns="0" tIns="0" bIns="0">
-            <a:noAutofit/>
-          </a:bodyPr>
-          <a:p>
-            <a:pPr algn="ctr"/>
-            <a:r>
-              <a:rPr b="0" lang="en-ID" sz="1400" spc="-1" strike="noStrike">
-                <a:latin typeface="Times New Roman"/>
-              </a:rPr>
-              <a:t>&lt;footer&gt;</a:t>
-            </a:r>
-            <a:endParaRPr b="0" lang="en-ID" sz="1400" spc="-1" strike="noStrike">
-              <a:latin typeface="Times New Roman"/>
-            </a:endParaRPr>
-          </a:p>
-        </p:txBody>
-      </p:sp>
-      <p:sp>
-        <p:nvSpPr>
-          <p:cNvPr id="4" name="PlaceHolder 5"/>
-          <p:cNvSpPr>
-            <a:spLocks noGrp="1"/>
-          </p:cNvSpPr>
-          <p:nvPr>
-            <p:ph type="sldNum"/>
-          </p:nvPr>
-        </p:nvSpPr>
-        <p:spPr>
-          <a:xfrm>
-            <a:off x="7227360" y="5165280"/>
-            <a:ext cx="2348280" cy="390600"/>
-          </a:xfrm>
-          <a:prstGeom prst="rect">
-            <a:avLst/>
-          </a:prstGeom>
-        </p:spPr>
-        <p:txBody>
-          <a:bodyPr lIns="0" rIns="0" tIns="0" bIns="0">
-            <a:noAutofit/>
-          </a:bodyPr>
-          <a:p>
-            <a:pPr algn="r"/>
-            <a:fld id="{4A9C304C-2670-4C5A-8B85-972E4616B397}" type="slidenum">
-              <a:rPr b="0" lang="en-ID" sz="1400" spc="-1" strike="noStrike">
-                <a:latin typeface="Times New Roman"/>
-              </a:rPr>
-              <a:t>&lt;number&gt;</a:t>
-            </a:fld>
-            <a:endParaRPr b="0" lang="en-ID" sz="1400" spc="-1" strike="noStrike">
-              <a:latin typeface="Times New Roman"/>
             </a:endParaRPr>
           </a:p>
         </p:txBody>
@@ -1757,14 +1656,14 @@
       </p:grpSpPr>
       <p:sp>
         <p:nvSpPr>
-          <p:cNvPr id="41" name="TextShape 1"/>
-          <p:cNvSpPr txBox="1"/>
+          <p:cNvPr id="38" name="CustomShape 1"/>
+          <p:cNvSpPr/>
           <p:nvPr/>
         </p:nvSpPr>
         <p:spPr>
           <a:xfrm>
-            <a:off x="504000" y="226080"/>
-            <a:ext cx="9071640" cy="946440"/>
+            <a:off x="548640" y="226080"/>
+            <a:ext cx="9026640" cy="2608560"/>
           </a:xfrm>
           <a:prstGeom prst="rect">
             <a:avLst/>
@@ -1774,17 +1673,803 @@
             <a:noFill/>
           </a:ln>
         </p:spPr>
+        <p:style>
+          <a:lnRef idx="0"/>
+          <a:fillRef idx="0"/>
+          <a:effectRef idx="0"/>
+          <a:fontRef idx="minor"/>
+        </p:style>
         <p:txBody>
           <a:bodyPr lIns="0" rIns="0" tIns="0" bIns="0" anchor="ctr">
             <a:noAutofit/>
           </a:bodyPr>
           <a:p>
-            <a:pPr algn="ctr"/>
+            <a:pPr>
+              <a:lnSpc>
+                <a:spcPct val="100000"/>
+              </a:lnSpc>
+            </a:pPr>
             <a:r>
               <a:rPr b="0" lang="en-ID" sz="4400" spc="-1" strike="noStrike">
                 <a:latin typeface="Arial"/>
               </a:rPr>
-              <a:t>MAP TEXT DATA</a:t>
+              <a:t>VISUALISASI POSISI RISET BEBERAPA PERGURUAN TINGGI DI INDONESIA</a:t>
+            </a:r>
+            <a:endParaRPr b="0" lang="en-ID" sz="4400" spc="-1" strike="noStrike">
+              <a:latin typeface="Arial"/>
+            </a:endParaRPr>
+          </a:p>
+        </p:txBody>
+      </p:sp>
+      <p:sp>
+        <p:nvSpPr>
+          <p:cNvPr id="39" name="TextShape 2"/>
+          <p:cNvSpPr txBox="1"/>
+          <p:nvPr/>
+        </p:nvSpPr>
+        <p:spPr>
+          <a:xfrm>
+            <a:off x="548640" y="2834640"/>
+            <a:ext cx="9072000" cy="2468880"/>
+          </a:xfrm>
+          <a:prstGeom prst="rect">
+            <a:avLst/>
+          </a:prstGeom>
+          <a:noFill/>
+          <a:ln>
+            <a:noFill/>
+          </a:ln>
+        </p:spPr>
+        <p:txBody>
+          <a:bodyPr lIns="0" rIns="0" tIns="0" bIns="0">
+            <a:normAutofit/>
+          </a:bodyPr>
+          <a:p>
+            <a:pPr marL="432000" indent="-324000">
+              <a:spcBef>
+                <a:spcPts val="1417"/>
+              </a:spcBef>
+              <a:buClr>
+                <a:srgbClr val="000000"/>
+              </a:buClr>
+              <a:buSzPct val="45000"/>
+              <a:buFont typeface="Wingdings" charset="2"/>
+              <a:buChar char=""/>
+            </a:pPr>
+            <a:r>
+              <a:rPr b="0" lang="en-ID" sz="1600" spc="-1" strike="noStrike">
+                <a:latin typeface="Arial"/>
+              </a:rPr>
+              <a:t>Berdasarkan Scopus, search affiliation, limit to 2019</a:t>
+            </a:r>
+            <a:endParaRPr b="0" lang="en-ID" sz="1600" spc="-1" strike="noStrike">
+              <a:latin typeface="Arial"/>
+            </a:endParaRPr>
+          </a:p>
+          <a:p>
+            <a:pPr marL="432000" indent="-324000">
+              <a:spcBef>
+                <a:spcPts val="1417"/>
+              </a:spcBef>
+              <a:buClr>
+                <a:srgbClr val="000000"/>
+              </a:buClr>
+              <a:buSzPct val="45000"/>
+              <a:buFont typeface="Wingdings" charset="2"/>
+              <a:buChar char=""/>
+            </a:pPr>
+            <a:r>
+              <a:rPr b="0" lang="en-ID" sz="1600" spc="-1" strike="noStrike">
+                <a:latin typeface="Arial"/>
+              </a:rPr>
+              <a:t>Tanggal pengunduhan 25-26 Agt 2020</a:t>
+            </a:r>
+            <a:endParaRPr b="0" lang="en-ID" sz="1600" spc="-1" strike="noStrike">
+              <a:latin typeface="Arial"/>
+            </a:endParaRPr>
+          </a:p>
+          <a:p>
+            <a:pPr marL="432000" indent="-324000">
+              <a:spcBef>
+                <a:spcPts val="1417"/>
+              </a:spcBef>
+              <a:buClr>
+                <a:srgbClr val="000000"/>
+              </a:buClr>
+              <a:buSzPct val="45000"/>
+              <a:buFont typeface="Wingdings" charset="2"/>
+              <a:buChar char=""/>
+            </a:pPr>
+            <a:r>
+              <a:rPr b="0" lang="en-ID" sz="1600" spc="-1" strike="noStrike">
+                <a:latin typeface="Arial"/>
+              </a:rPr>
+              <a:t>Dasapta Erwin Irawan</a:t>
+            </a:r>
+            <a:endParaRPr b="0" lang="en-ID" sz="1600" spc="-1" strike="noStrike">
+              <a:latin typeface="Arial"/>
+            </a:endParaRPr>
+          </a:p>
+        </p:txBody>
+      </p:sp>
+    </p:spTree>
+  </p:cSld>
+  <mc:AlternateContent>
+    <mc:Choice Requires="p14">
+      <p:transition spd="slow" p14:dur="2000"/>
+    </mc:Choice>
+    <mc:Fallback>
+      <p:transition spd="slow"/>
+    </mc:Fallback>
+  </mc:AlternateContent>
+</p:sld>
+</file>
+
+<file path=ppt/slides/slide10.xml><?xml version="1.0" encoding="utf-8"?>
+<p:sld xmlns:a="http://schemas.openxmlformats.org/drawingml/2006/main" xmlns:p="http://schemas.openxmlformats.org/presentationml/2006/main" xmlns:r="http://schemas.openxmlformats.org/officeDocument/2006/relationships" xmlns:p14="http://schemas.microsoft.com/office/powerpoint/2010/main" xmlns:p15="http://schemas.microsoft.com/office/powerpoint/2012/main" xmlns:mc="http://schemas.openxmlformats.org/markup-compatibility/2006">
+  <p:cSld>
+    <p:spTree>
+      <p:nvGrpSpPr>
+        <p:cNvPr id="1" name=""/>
+        <p:cNvGrpSpPr/>
+        <p:nvPr/>
+      </p:nvGrpSpPr>
+      <p:grpSpPr>
+        <a:xfrm>
+          <a:off x="0" y="0"/>
+          <a:ext cx="0" cy="0"/>
+          <a:chOff x="0" y="0"/>
+          <a:chExt cx="0" cy="0"/>
+        </a:xfrm>
+      </p:grpSpPr>
+      <p:sp>
+        <p:nvSpPr>
+          <p:cNvPr id="56" name="CustomShape 1"/>
+          <p:cNvSpPr/>
+          <p:nvPr/>
+        </p:nvSpPr>
+        <p:spPr>
+          <a:xfrm>
+            <a:off x="504000" y="226080"/>
+            <a:ext cx="9071280" cy="946080"/>
+          </a:xfrm>
+          <a:prstGeom prst="rect">
+            <a:avLst/>
+          </a:prstGeom>
+          <a:noFill/>
+          <a:ln>
+            <a:noFill/>
+          </a:ln>
+        </p:spPr>
+        <p:style>
+          <a:lnRef idx="0"/>
+          <a:fillRef idx="0"/>
+          <a:effectRef idx="0"/>
+          <a:fontRef idx="minor"/>
+        </p:style>
+        <p:txBody>
+          <a:bodyPr lIns="0" rIns="0" tIns="0" bIns="0" anchor="ctr">
+            <a:noAutofit/>
+          </a:bodyPr>
+          <a:p>
+            <a:pPr>
+              <a:lnSpc>
+                <a:spcPct val="100000"/>
+              </a:lnSpc>
+            </a:pPr>
+            <a:r>
+              <a:rPr b="0" lang="en-ID" sz="4400" spc="-1" strike="noStrike">
+                <a:latin typeface="Arial"/>
+              </a:rPr>
+              <a:t>CO-AUTHORSHIP</a:t>
+            </a:r>
+            <a:endParaRPr b="0" lang="en-ID" sz="4400" spc="-1" strike="noStrike">
+              <a:latin typeface="Arial"/>
+            </a:endParaRPr>
+          </a:p>
+        </p:txBody>
+      </p:sp>
+      <p:sp>
+        <p:nvSpPr>
+          <p:cNvPr id="57" name="TextShape 2"/>
+          <p:cNvSpPr txBox="1"/>
+          <p:nvPr/>
+        </p:nvSpPr>
+        <p:spPr>
+          <a:xfrm>
+            <a:off x="504000" y="1326600"/>
+            <a:ext cx="9072000" cy="3288600"/>
+          </a:xfrm>
+          <a:prstGeom prst="rect">
+            <a:avLst/>
+          </a:prstGeom>
+          <a:noFill/>
+          <a:ln>
+            <a:noFill/>
+          </a:ln>
+        </p:spPr>
+        <p:txBody>
+          <a:bodyPr lIns="0" rIns="0" tIns="0" bIns="0">
+            <a:normAutofit/>
+          </a:bodyPr>
+          <a:p>
+            <a:pPr marL="432000" indent="-324000">
+              <a:spcBef>
+                <a:spcPts val="1417"/>
+              </a:spcBef>
+              <a:buClr>
+                <a:srgbClr val="000000"/>
+              </a:buClr>
+              <a:buSzPct val="45000"/>
+              <a:buFont typeface="Wingdings" charset="2"/>
+              <a:buChar char=""/>
+            </a:pPr>
+            <a:r>
+              <a:rPr b="0" lang="en-ID" sz="3200" spc="-1" strike="noStrike">
+                <a:latin typeface="Arial"/>
+              </a:rPr>
+              <a:t>Menggunakan Vosviewer</a:t>
+            </a:r>
+            <a:endParaRPr b="0" lang="en-ID" sz="3200" spc="-1" strike="noStrike">
+              <a:latin typeface="Arial"/>
+            </a:endParaRPr>
+          </a:p>
+          <a:p>
+            <a:pPr marL="432000" indent="-324000">
+              <a:spcBef>
+                <a:spcPts val="1417"/>
+              </a:spcBef>
+              <a:buClr>
+                <a:srgbClr val="000000"/>
+              </a:buClr>
+              <a:buSzPct val="45000"/>
+              <a:buFont typeface="Wingdings" charset="2"/>
+              <a:buChar char=""/>
+            </a:pPr>
+            <a:r>
+              <a:rPr b="0" lang="en-ID" sz="3200" spc="-1" strike="noStrike">
+                <a:latin typeface="Arial"/>
+              </a:rPr>
+              <a:t>Create map based on bibliometric data &gt; Co-authorship &gt; Full counting &gt; ... &gt; ...</a:t>
+            </a:r>
+            <a:endParaRPr b="0" lang="en-ID" sz="3200" spc="-1" strike="noStrike">
+              <a:latin typeface="Arial"/>
+            </a:endParaRPr>
+          </a:p>
+        </p:txBody>
+      </p:sp>
+    </p:spTree>
+  </p:cSld>
+  <mc:AlternateContent>
+    <mc:Choice Requires="p14">
+      <p:transition spd="slow" p14:dur="2000"/>
+    </mc:Choice>
+    <mc:Fallback>
+      <p:transition spd="slow"/>
+    </mc:Fallback>
+  </mc:AlternateContent>
+</p:sld>
+</file>
+
+<file path=ppt/slides/slide11.xml><?xml version="1.0" encoding="utf-8"?>
+<p:sld xmlns:a="http://schemas.openxmlformats.org/drawingml/2006/main" xmlns:p="http://schemas.openxmlformats.org/presentationml/2006/main" xmlns:r="http://schemas.openxmlformats.org/officeDocument/2006/relationships" xmlns:p14="http://schemas.microsoft.com/office/powerpoint/2010/main" xmlns:p15="http://schemas.microsoft.com/office/powerpoint/2012/main" xmlns:mc="http://schemas.openxmlformats.org/markup-compatibility/2006">
+  <p:cSld>
+    <p:spTree>
+      <p:nvGrpSpPr>
+        <p:cNvPr id="1" name=""/>
+        <p:cNvGrpSpPr/>
+        <p:nvPr/>
+      </p:nvGrpSpPr>
+      <p:grpSpPr>
+        <a:xfrm>
+          <a:off x="0" y="0"/>
+          <a:ext cx="0" cy="0"/>
+          <a:chOff x="0" y="0"/>
+          <a:chExt cx="0" cy="0"/>
+        </a:xfrm>
+      </p:grpSpPr>
+      <p:sp>
+        <p:nvSpPr>
+          <p:cNvPr id="58" name="CustomShape 1"/>
+          <p:cNvSpPr/>
+          <p:nvPr/>
+        </p:nvSpPr>
+        <p:spPr>
+          <a:xfrm>
+            <a:off x="504000" y="226080"/>
+            <a:ext cx="9071280" cy="946080"/>
+          </a:xfrm>
+          <a:prstGeom prst="rect">
+            <a:avLst/>
+          </a:prstGeom>
+          <a:noFill/>
+          <a:ln>
+            <a:noFill/>
+          </a:ln>
+        </p:spPr>
+        <p:style>
+          <a:lnRef idx="0"/>
+          <a:fillRef idx="0"/>
+          <a:effectRef idx="0"/>
+          <a:fontRef idx="minor"/>
+        </p:style>
+        <p:txBody>
+          <a:bodyPr lIns="0" rIns="0" tIns="0" bIns="0" anchor="ctr">
+            <a:noAutofit/>
+          </a:bodyPr>
+          <a:p>
+            <a:pPr>
+              <a:lnSpc>
+                <a:spcPct val="100000"/>
+              </a:lnSpc>
+            </a:pPr>
+            <a:r>
+              <a:rPr b="0" lang="en-ID" sz="4400" spc="-1" strike="noStrike">
+                <a:latin typeface="Arial"/>
+              </a:rPr>
+              <a:t>ITB</a:t>
+            </a:r>
+            <a:endParaRPr b="0" lang="en-ID" sz="4400" spc="-1" strike="noStrike">
+              <a:latin typeface="Arial"/>
+            </a:endParaRPr>
+          </a:p>
+        </p:txBody>
+      </p:sp>
+    </p:spTree>
+  </p:cSld>
+  <mc:AlternateContent>
+    <mc:Choice Requires="p14">
+      <p:transition spd="slow" p14:dur="2000"/>
+    </mc:Choice>
+    <mc:Fallback>
+      <p:transition spd="slow"/>
+    </mc:Fallback>
+  </mc:AlternateContent>
+</p:sld>
+</file>
+
+<file path=ppt/slides/slide12.xml><?xml version="1.0" encoding="utf-8"?>
+<p:sld xmlns:a="http://schemas.openxmlformats.org/drawingml/2006/main" xmlns:p="http://schemas.openxmlformats.org/presentationml/2006/main" xmlns:r="http://schemas.openxmlformats.org/officeDocument/2006/relationships" xmlns:p14="http://schemas.microsoft.com/office/powerpoint/2010/main" xmlns:p15="http://schemas.microsoft.com/office/powerpoint/2012/main" xmlns:mc="http://schemas.openxmlformats.org/markup-compatibility/2006">
+  <p:cSld>
+    <p:spTree>
+      <p:nvGrpSpPr>
+        <p:cNvPr id="1" name=""/>
+        <p:cNvGrpSpPr/>
+        <p:nvPr/>
+      </p:nvGrpSpPr>
+      <p:grpSpPr>
+        <a:xfrm>
+          <a:off x="0" y="0"/>
+          <a:ext cx="0" cy="0"/>
+          <a:chOff x="0" y="0"/>
+          <a:chExt cx="0" cy="0"/>
+        </a:xfrm>
+      </p:grpSpPr>
+      <p:sp>
+        <p:nvSpPr>
+          <p:cNvPr id="59" name="CustomShape 1"/>
+          <p:cNvSpPr/>
+          <p:nvPr/>
+        </p:nvSpPr>
+        <p:spPr>
+          <a:xfrm>
+            <a:off x="504000" y="226080"/>
+            <a:ext cx="9071280" cy="946080"/>
+          </a:xfrm>
+          <a:prstGeom prst="rect">
+            <a:avLst/>
+          </a:prstGeom>
+          <a:noFill/>
+          <a:ln>
+            <a:noFill/>
+          </a:ln>
+        </p:spPr>
+        <p:style>
+          <a:lnRef idx="0"/>
+          <a:fillRef idx="0"/>
+          <a:effectRef idx="0"/>
+          <a:fontRef idx="minor"/>
+        </p:style>
+        <p:txBody>
+          <a:bodyPr lIns="0" rIns="0" tIns="0" bIns="0" anchor="ctr">
+            <a:noAutofit/>
+          </a:bodyPr>
+          <a:p>
+            <a:pPr>
+              <a:lnSpc>
+                <a:spcPct val="100000"/>
+              </a:lnSpc>
+            </a:pPr>
+            <a:r>
+              <a:rPr b="0" lang="en-ID" sz="4400" spc="-1" strike="noStrike">
+                <a:latin typeface="Arial"/>
+              </a:rPr>
+              <a:t>IPB</a:t>
+            </a:r>
+            <a:endParaRPr b="0" lang="en-ID" sz="4400" spc="-1" strike="noStrike">
+              <a:latin typeface="Arial"/>
+            </a:endParaRPr>
+          </a:p>
+        </p:txBody>
+      </p:sp>
+    </p:spTree>
+  </p:cSld>
+  <mc:AlternateContent>
+    <mc:Choice Requires="p14">
+      <p:transition spd="slow" p14:dur="2000"/>
+    </mc:Choice>
+    <mc:Fallback>
+      <p:transition spd="slow"/>
+    </mc:Fallback>
+  </mc:AlternateContent>
+</p:sld>
+</file>
+
+<file path=ppt/slides/slide13.xml><?xml version="1.0" encoding="utf-8"?>
+<p:sld xmlns:a="http://schemas.openxmlformats.org/drawingml/2006/main" xmlns:p="http://schemas.openxmlformats.org/presentationml/2006/main" xmlns:r="http://schemas.openxmlformats.org/officeDocument/2006/relationships" xmlns:p14="http://schemas.microsoft.com/office/powerpoint/2010/main" xmlns:p15="http://schemas.microsoft.com/office/powerpoint/2012/main" xmlns:mc="http://schemas.openxmlformats.org/markup-compatibility/2006">
+  <p:cSld>
+    <p:spTree>
+      <p:nvGrpSpPr>
+        <p:cNvPr id="1" name=""/>
+        <p:cNvGrpSpPr/>
+        <p:nvPr/>
+      </p:nvGrpSpPr>
+      <p:grpSpPr>
+        <a:xfrm>
+          <a:off x="0" y="0"/>
+          <a:ext cx="0" cy="0"/>
+          <a:chOff x="0" y="0"/>
+          <a:chExt cx="0" cy="0"/>
+        </a:xfrm>
+      </p:grpSpPr>
+      <p:sp>
+        <p:nvSpPr>
+          <p:cNvPr id="60" name="CustomShape 1"/>
+          <p:cNvSpPr/>
+          <p:nvPr/>
+        </p:nvSpPr>
+        <p:spPr>
+          <a:xfrm>
+            <a:off x="504000" y="226080"/>
+            <a:ext cx="9071280" cy="946080"/>
+          </a:xfrm>
+          <a:prstGeom prst="rect">
+            <a:avLst/>
+          </a:prstGeom>
+          <a:noFill/>
+          <a:ln>
+            <a:noFill/>
+          </a:ln>
+        </p:spPr>
+        <p:style>
+          <a:lnRef idx="0"/>
+          <a:fillRef idx="0"/>
+          <a:effectRef idx="0"/>
+          <a:fontRef idx="minor"/>
+        </p:style>
+        <p:txBody>
+          <a:bodyPr lIns="0" rIns="0" tIns="0" bIns="0" anchor="ctr">
+            <a:noAutofit/>
+          </a:bodyPr>
+          <a:p>
+            <a:pPr>
+              <a:lnSpc>
+                <a:spcPct val="100000"/>
+              </a:lnSpc>
+            </a:pPr>
+            <a:r>
+              <a:rPr b="0" lang="en-ID" sz="4400" spc="-1" strike="noStrike">
+                <a:latin typeface="Arial"/>
+              </a:rPr>
+              <a:t>ITS</a:t>
+            </a:r>
+            <a:endParaRPr b="0" lang="en-ID" sz="4400" spc="-1" strike="noStrike">
+              <a:latin typeface="Arial"/>
+            </a:endParaRPr>
+          </a:p>
+        </p:txBody>
+      </p:sp>
+    </p:spTree>
+  </p:cSld>
+  <mc:AlternateContent>
+    <mc:Choice Requires="p14">
+      <p:transition spd="slow" p14:dur="2000"/>
+    </mc:Choice>
+    <mc:Fallback>
+      <p:transition spd="slow"/>
+    </mc:Fallback>
+  </mc:AlternateContent>
+</p:sld>
+</file>
+
+<file path=ppt/slides/slide14.xml><?xml version="1.0" encoding="utf-8"?>
+<p:sld xmlns:a="http://schemas.openxmlformats.org/drawingml/2006/main" xmlns:p="http://schemas.openxmlformats.org/presentationml/2006/main" xmlns:r="http://schemas.openxmlformats.org/officeDocument/2006/relationships" xmlns:p14="http://schemas.microsoft.com/office/powerpoint/2010/main" xmlns:p15="http://schemas.microsoft.com/office/powerpoint/2012/main" xmlns:mc="http://schemas.openxmlformats.org/markup-compatibility/2006">
+  <p:cSld>
+    <p:spTree>
+      <p:nvGrpSpPr>
+        <p:cNvPr id="1" name=""/>
+        <p:cNvGrpSpPr/>
+        <p:nvPr/>
+      </p:nvGrpSpPr>
+      <p:grpSpPr>
+        <a:xfrm>
+          <a:off x="0" y="0"/>
+          <a:ext cx="0" cy="0"/>
+          <a:chOff x="0" y="0"/>
+          <a:chExt cx="0" cy="0"/>
+        </a:xfrm>
+      </p:grpSpPr>
+      <p:sp>
+        <p:nvSpPr>
+          <p:cNvPr id="61" name="CustomShape 1"/>
+          <p:cNvSpPr/>
+          <p:nvPr/>
+        </p:nvSpPr>
+        <p:spPr>
+          <a:xfrm>
+            <a:off x="504000" y="226080"/>
+            <a:ext cx="9071280" cy="946080"/>
+          </a:xfrm>
+          <a:prstGeom prst="rect">
+            <a:avLst/>
+          </a:prstGeom>
+          <a:noFill/>
+          <a:ln>
+            <a:noFill/>
+          </a:ln>
+        </p:spPr>
+        <p:style>
+          <a:lnRef idx="0"/>
+          <a:fillRef idx="0"/>
+          <a:effectRef idx="0"/>
+          <a:fontRef idx="minor"/>
+        </p:style>
+        <p:txBody>
+          <a:bodyPr lIns="0" rIns="0" tIns="0" bIns="0" anchor="ctr">
+            <a:noAutofit/>
+          </a:bodyPr>
+          <a:p>
+            <a:pPr>
+              <a:lnSpc>
+                <a:spcPct val="100000"/>
+              </a:lnSpc>
+            </a:pPr>
+            <a:r>
+              <a:rPr b="0" lang="en-ID" sz="4400" spc="-1" strike="noStrike">
+                <a:latin typeface="Arial"/>
+              </a:rPr>
+              <a:t>UNAIR</a:t>
+            </a:r>
+            <a:endParaRPr b="0" lang="en-ID" sz="4400" spc="-1" strike="noStrike">
+              <a:latin typeface="Arial"/>
+            </a:endParaRPr>
+          </a:p>
+        </p:txBody>
+      </p:sp>
+    </p:spTree>
+  </p:cSld>
+  <mc:AlternateContent>
+    <mc:Choice Requires="p14">
+      <p:transition spd="slow" p14:dur="2000"/>
+    </mc:Choice>
+    <mc:Fallback>
+      <p:transition spd="slow"/>
+    </mc:Fallback>
+  </mc:AlternateContent>
+</p:sld>
+</file>
+
+<file path=ppt/slides/slide15.xml><?xml version="1.0" encoding="utf-8"?>
+<p:sld xmlns:a="http://schemas.openxmlformats.org/drawingml/2006/main" xmlns:p="http://schemas.openxmlformats.org/presentationml/2006/main" xmlns:r="http://schemas.openxmlformats.org/officeDocument/2006/relationships" xmlns:p14="http://schemas.microsoft.com/office/powerpoint/2010/main" xmlns:p15="http://schemas.microsoft.com/office/powerpoint/2012/main" xmlns:mc="http://schemas.openxmlformats.org/markup-compatibility/2006">
+  <p:cSld>
+    <p:spTree>
+      <p:nvGrpSpPr>
+        <p:cNvPr id="1" name=""/>
+        <p:cNvGrpSpPr/>
+        <p:nvPr/>
+      </p:nvGrpSpPr>
+      <p:grpSpPr>
+        <a:xfrm>
+          <a:off x="0" y="0"/>
+          <a:ext cx="0" cy="0"/>
+          <a:chOff x="0" y="0"/>
+          <a:chExt cx="0" cy="0"/>
+        </a:xfrm>
+      </p:grpSpPr>
+      <p:sp>
+        <p:nvSpPr>
+          <p:cNvPr id="62" name="CustomShape 1"/>
+          <p:cNvSpPr/>
+          <p:nvPr/>
+        </p:nvSpPr>
+        <p:spPr>
+          <a:xfrm>
+            <a:off x="504000" y="226080"/>
+            <a:ext cx="9071280" cy="946080"/>
+          </a:xfrm>
+          <a:prstGeom prst="rect">
+            <a:avLst/>
+          </a:prstGeom>
+          <a:noFill/>
+          <a:ln>
+            <a:noFill/>
+          </a:ln>
+        </p:spPr>
+        <p:style>
+          <a:lnRef idx="0"/>
+          <a:fillRef idx="0"/>
+          <a:effectRef idx="0"/>
+          <a:fontRef idx="minor"/>
+        </p:style>
+        <p:txBody>
+          <a:bodyPr lIns="0" rIns="0" tIns="0" bIns="0" anchor="ctr">
+            <a:noAutofit/>
+          </a:bodyPr>
+          <a:p>
+            <a:pPr>
+              <a:lnSpc>
+                <a:spcPct val="100000"/>
+              </a:lnSpc>
+            </a:pPr>
+            <a:r>
+              <a:rPr b="0" lang="en-ID" sz="4400" spc="-1" strike="noStrike">
+                <a:latin typeface="Arial"/>
+              </a:rPr>
+              <a:t>UGM</a:t>
+            </a:r>
+            <a:endParaRPr b="0" lang="en-ID" sz="4400" spc="-1" strike="noStrike">
+              <a:latin typeface="Arial"/>
+            </a:endParaRPr>
+          </a:p>
+        </p:txBody>
+      </p:sp>
+    </p:spTree>
+  </p:cSld>
+  <mc:AlternateContent>
+    <mc:Choice Requires="p14">
+      <p:transition spd="slow" p14:dur="2000"/>
+    </mc:Choice>
+    <mc:Fallback>
+      <p:transition spd="slow"/>
+    </mc:Fallback>
+  </mc:AlternateContent>
+</p:sld>
+</file>
+
+<file path=ppt/slides/slide16.xml><?xml version="1.0" encoding="utf-8"?>
+<p:sld xmlns:a="http://schemas.openxmlformats.org/drawingml/2006/main" xmlns:p="http://schemas.openxmlformats.org/presentationml/2006/main" xmlns:r="http://schemas.openxmlformats.org/officeDocument/2006/relationships" xmlns:p14="http://schemas.microsoft.com/office/powerpoint/2010/main" xmlns:p15="http://schemas.microsoft.com/office/powerpoint/2012/main" xmlns:mc="http://schemas.openxmlformats.org/markup-compatibility/2006">
+  <p:cSld>
+    <p:spTree>
+      <p:nvGrpSpPr>
+        <p:cNvPr id="1" name=""/>
+        <p:cNvGrpSpPr/>
+        <p:nvPr/>
+      </p:nvGrpSpPr>
+      <p:grpSpPr>
+        <a:xfrm>
+          <a:off x="0" y="0"/>
+          <a:ext cx="0" cy="0"/>
+          <a:chOff x="0" y="0"/>
+          <a:chExt cx="0" cy="0"/>
+        </a:xfrm>
+      </p:grpSpPr>
+      <p:sp>
+        <p:nvSpPr>
+          <p:cNvPr id="63" name="CustomShape 1"/>
+          <p:cNvSpPr/>
+          <p:nvPr/>
+        </p:nvSpPr>
+        <p:spPr>
+          <a:xfrm>
+            <a:off x="504000" y="226080"/>
+            <a:ext cx="9071280" cy="946080"/>
+          </a:xfrm>
+          <a:prstGeom prst="rect">
+            <a:avLst/>
+          </a:prstGeom>
+          <a:noFill/>
+          <a:ln>
+            <a:noFill/>
+          </a:ln>
+        </p:spPr>
+        <p:style>
+          <a:lnRef idx="0"/>
+          <a:fillRef idx="0"/>
+          <a:effectRef idx="0"/>
+          <a:fontRef idx="minor"/>
+        </p:style>
+        <p:txBody>
+          <a:bodyPr lIns="0" rIns="0" tIns="0" bIns="0" anchor="ctr">
+            <a:noAutofit/>
+          </a:bodyPr>
+          <a:p>
+            <a:pPr>
+              <a:lnSpc>
+                <a:spcPct val="100000"/>
+              </a:lnSpc>
+            </a:pPr>
+            <a:r>
+              <a:rPr b="0" lang="en-ID" sz="4400" spc="-1" strike="noStrike">
+                <a:latin typeface="Arial"/>
+              </a:rPr>
+              <a:t>UI</a:t>
+            </a:r>
+            <a:endParaRPr b="0" lang="en-ID" sz="4400" spc="-1" strike="noStrike">
+              <a:latin typeface="Arial"/>
+            </a:endParaRPr>
+          </a:p>
+        </p:txBody>
+      </p:sp>
+    </p:spTree>
+  </p:cSld>
+  <mc:AlternateContent>
+    <mc:Choice Requires="p14">
+      <p:transition spd="slow" p14:dur="2000"/>
+    </mc:Choice>
+    <mc:Fallback>
+      <p:transition spd="slow"/>
+    </mc:Fallback>
+  </mc:AlternateContent>
+</p:sld>
+</file>
+
+<file path=ppt/slides/slide17.xml><?xml version="1.0" encoding="utf-8"?>
+<p:sld xmlns:a="http://schemas.openxmlformats.org/drawingml/2006/main" xmlns:p="http://schemas.openxmlformats.org/presentationml/2006/main" xmlns:r="http://schemas.openxmlformats.org/officeDocument/2006/relationships" xmlns:p14="http://schemas.microsoft.com/office/powerpoint/2010/main" xmlns:p15="http://schemas.microsoft.com/office/powerpoint/2012/main" xmlns:mc="http://schemas.openxmlformats.org/markup-compatibility/2006">
+  <p:cSld>
+    <p:spTree>
+      <p:nvGrpSpPr>
+        <p:cNvPr id="1" name=""/>
+        <p:cNvGrpSpPr/>
+        <p:nvPr/>
+      </p:nvGrpSpPr>
+      <p:grpSpPr>
+        <a:xfrm>
+          <a:off x="0" y="0"/>
+          <a:ext cx="0" cy="0"/>
+          <a:chOff x="0" y="0"/>
+          <a:chExt cx="0" cy="0"/>
+        </a:xfrm>
+      </p:grpSpPr>
+      <p:sp>
+        <p:nvSpPr>
+          <p:cNvPr id="64" name="CustomShape 1"/>
+          <p:cNvSpPr/>
+          <p:nvPr/>
+        </p:nvSpPr>
+        <p:spPr>
+          <a:xfrm>
+            <a:off x="504000" y="226080"/>
+            <a:ext cx="9071280" cy="946080"/>
+          </a:xfrm>
+          <a:prstGeom prst="rect">
+            <a:avLst/>
+          </a:prstGeom>
+          <a:noFill/>
+          <a:ln>
+            <a:noFill/>
+          </a:ln>
+        </p:spPr>
+        <p:style>
+          <a:lnRef idx="0"/>
+          <a:fillRef idx="0"/>
+          <a:effectRef idx="0"/>
+          <a:fontRef idx="minor"/>
+        </p:style>
+        <p:txBody>
+          <a:bodyPr lIns="0" rIns="0" tIns="0" bIns="0" anchor="ctr">
+            <a:noAutofit/>
+          </a:bodyPr>
+          <a:p>
+            <a:pPr>
+              <a:lnSpc>
+                <a:spcPct val="100000"/>
+              </a:lnSpc>
+            </a:pPr>
+            <a:r>
+              <a:rPr b="0" lang="en-ID" sz="4400" spc="-1" strike="noStrike">
+                <a:latin typeface="Arial"/>
+              </a:rPr>
+              <a:t>TEL-U</a:t>
             </a:r>
             <a:endParaRPr b="0" lang="en-ID" sz="4400" spc="-1" strike="noStrike">
               <a:latin typeface="Arial"/>
@@ -1824,14 +2509,14 @@
       </p:grpSpPr>
       <p:sp>
         <p:nvSpPr>
-          <p:cNvPr id="42" name="TextShape 1"/>
-          <p:cNvSpPr txBox="1"/>
+          <p:cNvPr id="40" name="CustomShape 1"/>
+          <p:cNvSpPr/>
           <p:nvPr/>
         </p:nvSpPr>
         <p:spPr>
           <a:xfrm>
             <a:off x="504000" y="226080"/>
-            <a:ext cx="9071640" cy="946440"/>
+            <a:ext cx="9071280" cy="946080"/>
           </a:xfrm>
           <a:prstGeom prst="rect">
             <a:avLst/>
@@ -1841,17 +2526,27 @@
             <a:noFill/>
           </a:ln>
         </p:spPr>
+        <p:style>
+          <a:lnRef idx="0"/>
+          <a:fillRef idx="0"/>
+          <a:effectRef idx="0"/>
+          <a:fontRef idx="minor"/>
+        </p:style>
         <p:txBody>
           <a:bodyPr lIns="0" rIns="0" tIns="0" bIns="0" anchor="ctr">
             <a:noAutofit/>
           </a:bodyPr>
           <a:p>
-            <a:pPr algn="ctr"/>
+            <a:pPr>
+              <a:lnSpc>
+                <a:spcPct val="100000"/>
+              </a:lnSpc>
+            </a:pPr>
             <a:r>
               <a:rPr b="0" lang="en-ID" sz="4400" spc="-1" strike="noStrike">
                 <a:latin typeface="Arial"/>
               </a:rPr>
-              <a:t>ITB</a:t>
+              <a:t>MAP TEXT DATA</a:t>
             </a:r>
             <a:endParaRPr b="0" lang="en-ID" sz="4400" spc="-1" strike="noStrike">
               <a:latin typeface="Arial"/>
@@ -1859,29 +2554,75 @@
           </a:p>
         </p:txBody>
       </p:sp>
-      <p:pic>
-        <p:nvPicPr>
-          <p:cNvPr id="43" name="" descr=""/>
-          <p:cNvPicPr/>
+      <p:sp>
+        <p:nvSpPr>
+          <p:cNvPr id="41" name="TextShape 2"/>
+          <p:cNvSpPr txBox="1"/>
           <p:nvPr/>
-        </p:nvPicPr>
-        <p:blipFill>
-          <a:blip r:embed="rId1"/>
-          <a:stretch/>
-        </p:blipFill>
-        <p:spPr>
-          <a:xfrm>
-            <a:off x="2531880" y="1554480"/>
-            <a:ext cx="5514840" cy="3483360"/>
-          </a:xfrm>
-          <a:prstGeom prst="rect">
-            <a:avLst/>
-          </a:prstGeom>
+        </p:nvSpPr>
+        <p:spPr>
+          <a:xfrm>
+            <a:off x="504000" y="1326600"/>
+            <a:ext cx="9072000" cy="3288600"/>
+          </a:xfrm>
+          <a:prstGeom prst="rect">
+            <a:avLst/>
+          </a:prstGeom>
+          <a:noFill/>
           <a:ln>
             <a:noFill/>
           </a:ln>
         </p:spPr>
-      </p:pic>
+        <p:txBody>
+          <a:bodyPr lIns="0" rIns="0" tIns="0" bIns="0">
+            <a:normAutofit/>
+          </a:bodyPr>
+          <a:p>
+            <a:pPr marL="432000" indent="-324000">
+              <a:spcBef>
+                <a:spcPts val="1417"/>
+              </a:spcBef>
+              <a:buClr>
+                <a:srgbClr val="000000"/>
+              </a:buClr>
+              <a:buSzPct val="45000"/>
+              <a:buFont typeface="Wingdings" charset="2"/>
+              <a:buChar char=""/>
+            </a:pPr>
+            <a:r>
+              <a:rPr b="0" lang="en-ID" sz="3200" spc="-1" strike="noStrike">
+                <a:latin typeface="Arial"/>
+              </a:rPr>
+              <a:t>Menggunakan Vosviewer</a:t>
+            </a:r>
+            <a:endParaRPr b="0" lang="en-ID" sz="3200" spc="-1" strike="noStrike">
+              <a:latin typeface="Arial"/>
+            </a:endParaRPr>
+          </a:p>
+          <a:p>
+            <a:pPr marL="432000" indent="-324000">
+              <a:spcBef>
+                <a:spcPts val="1417"/>
+              </a:spcBef>
+              <a:buClr>
+                <a:srgbClr val="000000"/>
+              </a:buClr>
+              <a:buSzPct val="45000"/>
+              <a:buFont typeface="Wingdings" charset="2"/>
+              <a:buChar char=""/>
+            </a:pPr>
+            <a:r>
+              <a:rPr b="0" lang="en-ID" sz="3200" spc="-1" strike="noStrike">
+                <a:latin typeface="Arial"/>
+              </a:rPr>
+              <a:t>Create map based on text data &gt; Title and abstract &gt; Full counting &gt; Min number of occurences (5) &gt; Show all network</a:t>
+            </a:r>
+            <a:endParaRPr b="0" lang="en-ID" sz="3200" spc="-1" strike="noStrike">
+              <a:latin typeface="Arial"/>
+            </a:endParaRPr>
+          </a:p>
+        </p:txBody>
+      </p:sp>
     </p:spTree>
   </p:cSld>
   <mc:AlternateContent>
@@ -1914,14 +2655,14 @@
       </p:grpSpPr>
       <p:sp>
         <p:nvSpPr>
-          <p:cNvPr id="44" name="TextShape 1"/>
-          <p:cNvSpPr txBox="1"/>
+          <p:cNvPr id="42" name="CustomShape 1"/>
+          <p:cNvSpPr/>
           <p:nvPr/>
         </p:nvSpPr>
         <p:spPr>
           <a:xfrm>
             <a:off x="504000" y="226080"/>
-            <a:ext cx="9071640" cy="946440"/>
+            <a:ext cx="9071280" cy="946080"/>
           </a:xfrm>
           <a:prstGeom prst="rect">
             <a:avLst/>
@@ -1931,17 +2672,27 @@
             <a:noFill/>
           </a:ln>
         </p:spPr>
+        <p:style>
+          <a:lnRef idx="0"/>
+          <a:fillRef idx="0"/>
+          <a:effectRef idx="0"/>
+          <a:fontRef idx="minor"/>
+        </p:style>
         <p:txBody>
           <a:bodyPr lIns="0" rIns="0" tIns="0" bIns="0" anchor="ctr">
             <a:noAutofit/>
           </a:bodyPr>
           <a:p>
-            <a:pPr algn="ctr"/>
+            <a:pPr>
+              <a:lnSpc>
+                <a:spcPct val="100000"/>
+              </a:lnSpc>
+            </a:pPr>
             <a:r>
               <a:rPr b="0" lang="en-ID" sz="4400" spc="-1" strike="noStrike">
                 <a:latin typeface="Arial"/>
               </a:rPr>
-              <a:t>IPB</a:t>
+              <a:t>ITB</a:t>
             </a:r>
             <a:endParaRPr b="0" lang="en-ID" sz="4400" spc="-1" strike="noStrike">
               <a:latin typeface="Arial"/>
@@ -1951,7 +2702,7 @@
       </p:sp>
       <p:pic>
         <p:nvPicPr>
-          <p:cNvPr id="45" name="" descr=""/>
+          <p:cNvPr id="43" name="" descr=""/>
           <p:cNvPicPr/>
           <p:nvPr/>
         </p:nvPicPr>
@@ -1961,8 +2712,8 @@
         </p:blipFill>
         <p:spPr>
           <a:xfrm>
-            <a:off x="1547640" y="1028520"/>
-            <a:ext cx="7035480" cy="3657240"/>
+            <a:off x="2531880" y="1554480"/>
+            <a:ext cx="5514480" cy="3483000"/>
           </a:xfrm>
           <a:prstGeom prst="rect">
             <a:avLst/>
@@ -2004,14 +2755,14 @@
       </p:grpSpPr>
       <p:sp>
         <p:nvSpPr>
-          <p:cNvPr id="46" name="TextShape 1"/>
-          <p:cNvSpPr txBox="1"/>
+          <p:cNvPr id="44" name="CustomShape 1"/>
+          <p:cNvSpPr/>
           <p:nvPr/>
         </p:nvSpPr>
         <p:spPr>
           <a:xfrm>
             <a:off x="504000" y="226080"/>
-            <a:ext cx="9071640" cy="946440"/>
+            <a:ext cx="9071280" cy="946080"/>
           </a:xfrm>
           <a:prstGeom prst="rect">
             <a:avLst/>
@@ -2021,17 +2772,27 @@
             <a:noFill/>
           </a:ln>
         </p:spPr>
+        <p:style>
+          <a:lnRef idx="0"/>
+          <a:fillRef idx="0"/>
+          <a:effectRef idx="0"/>
+          <a:fontRef idx="minor"/>
+        </p:style>
         <p:txBody>
           <a:bodyPr lIns="0" rIns="0" tIns="0" bIns="0" anchor="ctr">
             <a:noAutofit/>
           </a:bodyPr>
           <a:p>
-            <a:pPr algn="ctr"/>
+            <a:pPr>
+              <a:lnSpc>
+                <a:spcPct val="100000"/>
+              </a:lnSpc>
+            </a:pPr>
             <a:r>
               <a:rPr b="0" lang="en-ID" sz="4400" spc="-1" strike="noStrike">
                 <a:latin typeface="Arial"/>
               </a:rPr>
-              <a:t>ITS</a:t>
+              <a:t>IPB</a:t>
             </a:r>
             <a:endParaRPr b="0" lang="en-ID" sz="4400" spc="-1" strike="noStrike">
               <a:latin typeface="Arial"/>
@@ -2039,6 +2800,29 @@
           </a:p>
         </p:txBody>
       </p:sp>
+      <p:pic>
+        <p:nvPicPr>
+          <p:cNvPr id="45" name="" descr=""/>
+          <p:cNvPicPr/>
+          <p:nvPr/>
+        </p:nvPicPr>
+        <p:blipFill>
+          <a:blip r:embed="rId1"/>
+          <a:stretch/>
+        </p:blipFill>
+        <p:spPr>
+          <a:xfrm>
+            <a:off x="1547640" y="1028520"/>
+            <a:ext cx="7035120" cy="3656880"/>
+          </a:xfrm>
+          <a:prstGeom prst="rect">
+            <a:avLst/>
+          </a:prstGeom>
+          <a:ln>
+            <a:noFill/>
+          </a:ln>
+        </p:spPr>
+      </p:pic>
     </p:spTree>
   </p:cSld>
   <mc:AlternateContent>
@@ -2071,14 +2855,14 @@
       </p:grpSpPr>
       <p:sp>
         <p:nvSpPr>
-          <p:cNvPr id="47" name="TextShape 1"/>
-          <p:cNvSpPr txBox="1"/>
+          <p:cNvPr id="46" name="CustomShape 1"/>
+          <p:cNvSpPr/>
           <p:nvPr/>
         </p:nvSpPr>
         <p:spPr>
           <a:xfrm>
             <a:off x="504000" y="226080"/>
-            <a:ext cx="9071640" cy="946440"/>
+            <a:ext cx="9071280" cy="946080"/>
           </a:xfrm>
           <a:prstGeom prst="rect">
             <a:avLst/>
@@ -2088,17 +2872,27 @@
             <a:noFill/>
           </a:ln>
         </p:spPr>
+        <p:style>
+          <a:lnRef idx="0"/>
+          <a:fillRef idx="0"/>
+          <a:effectRef idx="0"/>
+          <a:fontRef idx="minor"/>
+        </p:style>
         <p:txBody>
           <a:bodyPr lIns="0" rIns="0" tIns="0" bIns="0" anchor="ctr">
             <a:noAutofit/>
           </a:bodyPr>
           <a:p>
-            <a:pPr algn="ctr"/>
+            <a:pPr>
+              <a:lnSpc>
+                <a:spcPct val="100000"/>
+              </a:lnSpc>
+            </a:pPr>
             <a:r>
               <a:rPr b="0" lang="en-ID" sz="4400" spc="-1" strike="noStrike">
                 <a:latin typeface="Arial"/>
               </a:rPr>
-              <a:t>UNAIR</a:t>
+              <a:t>ITS</a:t>
             </a:r>
             <a:endParaRPr b="0" lang="en-ID" sz="4400" spc="-1" strike="noStrike">
               <a:latin typeface="Arial"/>
@@ -2106,6 +2900,29 @@
           </a:p>
         </p:txBody>
       </p:sp>
+      <p:pic>
+        <p:nvPicPr>
+          <p:cNvPr id="47" name="" descr=""/>
+          <p:cNvPicPr/>
+          <p:nvPr/>
+        </p:nvPicPr>
+        <p:blipFill>
+          <a:blip r:embed="rId1"/>
+          <a:stretch/>
+        </p:blipFill>
+        <p:spPr>
+          <a:xfrm>
+            <a:off x="6035040" y="21960"/>
+            <a:ext cx="3362400" cy="5670360"/>
+          </a:xfrm>
+          <a:prstGeom prst="rect">
+            <a:avLst/>
+          </a:prstGeom>
+          <a:ln>
+            <a:noFill/>
+          </a:ln>
+        </p:spPr>
+      </p:pic>
     </p:spTree>
   </p:cSld>
   <mc:AlternateContent>
@@ -2138,14 +2955,14 @@
       </p:grpSpPr>
       <p:sp>
         <p:nvSpPr>
-          <p:cNvPr id="48" name="TextShape 1"/>
-          <p:cNvSpPr txBox="1"/>
+          <p:cNvPr id="48" name="CustomShape 1"/>
+          <p:cNvSpPr/>
           <p:nvPr/>
         </p:nvSpPr>
         <p:spPr>
           <a:xfrm>
             <a:off x="504000" y="226080"/>
-            <a:ext cx="9071640" cy="946440"/>
+            <a:ext cx="9071280" cy="946080"/>
           </a:xfrm>
           <a:prstGeom prst="rect">
             <a:avLst/>
@@ -2155,17 +2972,27 @@
             <a:noFill/>
           </a:ln>
         </p:spPr>
+        <p:style>
+          <a:lnRef idx="0"/>
+          <a:fillRef idx="0"/>
+          <a:effectRef idx="0"/>
+          <a:fontRef idx="minor"/>
+        </p:style>
         <p:txBody>
           <a:bodyPr lIns="0" rIns="0" tIns="0" bIns="0" anchor="ctr">
             <a:noAutofit/>
           </a:bodyPr>
           <a:p>
-            <a:pPr algn="ctr"/>
+            <a:pPr>
+              <a:lnSpc>
+                <a:spcPct val="100000"/>
+              </a:lnSpc>
+            </a:pPr>
             <a:r>
               <a:rPr b="0" lang="en-ID" sz="4400" spc="-1" strike="noStrike">
                 <a:latin typeface="Arial"/>
               </a:rPr>
-              <a:t>UGM</a:t>
+              <a:t>UNAIR</a:t>
             </a:r>
             <a:endParaRPr b="0" lang="en-ID" sz="4400" spc="-1" strike="noStrike">
               <a:latin typeface="Arial"/>
@@ -2173,6 +3000,29 @@
           </a:p>
         </p:txBody>
       </p:sp>
+      <p:pic>
+        <p:nvPicPr>
+          <p:cNvPr id="49" name="" descr=""/>
+          <p:cNvPicPr/>
+          <p:nvPr/>
+        </p:nvPicPr>
+        <p:blipFill>
+          <a:blip r:embed="rId1"/>
+          <a:stretch/>
+        </p:blipFill>
+        <p:spPr>
+          <a:xfrm>
+            <a:off x="3892680" y="219600"/>
+            <a:ext cx="5159880" cy="5266800"/>
+          </a:xfrm>
+          <a:prstGeom prst="rect">
+            <a:avLst/>
+          </a:prstGeom>
+          <a:ln>
+            <a:noFill/>
+          </a:ln>
+        </p:spPr>
+      </p:pic>
     </p:spTree>
   </p:cSld>
   <mc:AlternateContent>
@@ -2205,14 +3055,14 @@
       </p:grpSpPr>
       <p:sp>
         <p:nvSpPr>
-          <p:cNvPr id="49" name="TextShape 1"/>
-          <p:cNvSpPr txBox="1"/>
+          <p:cNvPr id="50" name="CustomShape 1"/>
+          <p:cNvSpPr/>
           <p:nvPr/>
         </p:nvSpPr>
         <p:spPr>
           <a:xfrm>
             <a:off x="504000" y="226080"/>
-            <a:ext cx="9071640" cy="946440"/>
+            <a:ext cx="9071280" cy="946080"/>
           </a:xfrm>
           <a:prstGeom prst="rect">
             <a:avLst/>
@@ -2222,17 +3072,27 @@
             <a:noFill/>
           </a:ln>
         </p:spPr>
+        <p:style>
+          <a:lnRef idx="0"/>
+          <a:fillRef idx="0"/>
+          <a:effectRef idx="0"/>
+          <a:fontRef idx="minor"/>
+        </p:style>
         <p:txBody>
           <a:bodyPr lIns="0" rIns="0" tIns="0" bIns="0" anchor="ctr">
             <a:noAutofit/>
           </a:bodyPr>
           <a:p>
-            <a:pPr algn="ctr"/>
+            <a:pPr>
+              <a:lnSpc>
+                <a:spcPct val="100000"/>
+              </a:lnSpc>
+            </a:pPr>
             <a:r>
               <a:rPr b="0" lang="en-ID" sz="4400" spc="-1" strike="noStrike">
                 <a:latin typeface="Arial"/>
               </a:rPr>
-              <a:t>UI</a:t>
+              <a:t>UGM</a:t>
             </a:r>
             <a:endParaRPr b="0" lang="en-ID" sz="4400" spc="-1" strike="noStrike">
               <a:latin typeface="Arial"/>
@@ -2240,6 +3100,29 @@
           </a:p>
         </p:txBody>
       </p:sp>
+      <p:pic>
+        <p:nvPicPr>
+          <p:cNvPr id="51" name="" descr=""/>
+          <p:cNvPicPr/>
+          <p:nvPr/>
+        </p:nvPicPr>
+        <p:blipFill>
+          <a:blip r:embed="rId1"/>
+          <a:stretch/>
+        </p:blipFill>
+        <p:spPr>
+          <a:xfrm>
+            <a:off x="3984480" y="151920"/>
+            <a:ext cx="4818240" cy="5216760"/>
+          </a:xfrm>
+          <a:prstGeom prst="rect">
+            <a:avLst/>
+          </a:prstGeom>
+          <a:ln>
+            <a:noFill/>
+          </a:ln>
+        </p:spPr>
+      </p:pic>
     </p:spTree>
   </p:cSld>
   <mc:AlternateContent>
@@ -2270,16 +3153,39 @@
           <a:chExt cx="0" cy="0"/>
         </a:xfrm>
       </p:grpSpPr>
-      <p:sp>
-        <p:nvSpPr>
-          <p:cNvPr id="50" name="TextShape 1"/>
-          <p:cNvSpPr txBox="1"/>
+      <p:pic>
+        <p:nvPicPr>
+          <p:cNvPr id="52" name="" descr=""/>
+          <p:cNvPicPr/>
           <p:nvPr/>
+        </p:nvPicPr>
+        <p:blipFill>
+          <a:blip r:embed="rId1"/>
+          <a:stretch/>
+        </p:blipFill>
+        <p:spPr>
+          <a:xfrm>
+            <a:off x="3909240" y="484200"/>
+            <a:ext cx="5212080" cy="5016600"/>
+          </a:xfrm>
+          <a:prstGeom prst="rect">
+            <a:avLst/>
+          </a:prstGeom>
+          <a:ln>
+            <a:noFill/>
+          </a:ln>
+        </p:spPr>
+      </p:pic>
+      <p:sp>
+        <p:nvSpPr>
+          <p:cNvPr id="53" name="CustomShape 1"/>
+          <p:cNvSpPr/>
+          <p:nvPr/>
         </p:nvSpPr>
         <p:spPr>
           <a:xfrm>
             <a:off x="504000" y="226080"/>
-            <a:ext cx="9071640" cy="946440"/>
+            <a:ext cx="9071280" cy="946080"/>
           </a:xfrm>
           <a:prstGeom prst="rect">
             <a:avLst/>
@@ -2289,12 +3195,99 @@
             <a:noFill/>
           </a:ln>
         </p:spPr>
+        <p:style>
+          <a:lnRef idx="0"/>
+          <a:fillRef idx="0"/>
+          <a:effectRef idx="0"/>
+          <a:fontRef idx="minor"/>
+        </p:style>
         <p:txBody>
           <a:bodyPr lIns="0" rIns="0" tIns="0" bIns="0" anchor="ctr">
             <a:noAutofit/>
           </a:bodyPr>
           <a:p>
-            <a:pPr algn="ctr"/>
+            <a:pPr>
+              <a:lnSpc>
+                <a:spcPct val="100000"/>
+              </a:lnSpc>
+            </a:pPr>
+            <a:r>
+              <a:rPr b="0" lang="en-ID" sz="4400" spc="-1" strike="noStrike">
+                <a:latin typeface="Arial"/>
+              </a:rPr>
+              <a:t>UI</a:t>
+            </a:r>
+            <a:endParaRPr b="0" lang="en-ID" sz="4400" spc="-1" strike="noStrike">
+              <a:latin typeface="Arial"/>
+            </a:endParaRPr>
+          </a:p>
+        </p:txBody>
+      </p:sp>
+    </p:spTree>
+  </p:cSld>
+  <mc:AlternateContent>
+    <mc:Choice Requires="p14">
+      <p:transition spd="slow" p14:dur="2000"/>
+    </mc:Choice>
+    <mc:Fallback>
+      <p:transition spd="slow"/>
+    </mc:Fallback>
+  </mc:AlternateContent>
+</p:sld>
+</file>
+
+<file path=ppt/slides/slide9.xml><?xml version="1.0" encoding="utf-8"?>
+<p:sld xmlns:a="http://schemas.openxmlformats.org/drawingml/2006/main" xmlns:p="http://schemas.openxmlformats.org/presentationml/2006/main" xmlns:r="http://schemas.openxmlformats.org/officeDocument/2006/relationships" xmlns:p14="http://schemas.microsoft.com/office/powerpoint/2010/main" xmlns:p15="http://schemas.microsoft.com/office/powerpoint/2012/main" xmlns:mc="http://schemas.openxmlformats.org/markup-compatibility/2006">
+  <p:cSld>
+    <p:spTree>
+      <p:nvGrpSpPr>
+        <p:cNvPr id="1" name=""/>
+        <p:cNvGrpSpPr/>
+        <p:nvPr/>
+      </p:nvGrpSpPr>
+      <p:grpSpPr>
+        <a:xfrm>
+          <a:off x="0" y="0"/>
+          <a:ext cx="0" cy="0"/>
+          <a:chOff x="0" y="0"/>
+          <a:chExt cx="0" cy="0"/>
+        </a:xfrm>
+      </p:grpSpPr>
+      <p:sp>
+        <p:nvSpPr>
+          <p:cNvPr id="54" name="CustomShape 1"/>
+          <p:cNvSpPr/>
+          <p:nvPr/>
+        </p:nvSpPr>
+        <p:spPr>
+          <a:xfrm>
+            <a:off x="504000" y="226080"/>
+            <a:ext cx="9071280" cy="946080"/>
+          </a:xfrm>
+          <a:prstGeom prst="rect">
+            <a:avLst/>
+          </a:prstGeom>
+          <a:noFill/>
+          <a:ln>
+            <a:noFill/>
+          </a:ln>
+        </p:spPr>
+        <p:style>
+          <a:lnRef idx="0"/>
+          <a:fillRef idx="0"/>
+          <a:effectRef idx="0"/>
+          <a:fontRef idx="minor"/>
+        </p:style>
+        <p:txBody>
+          <a:bodyPr lIns="0" rIns="0" tIns="0" bIns="0" anchor="ctr">
+            <a:noAutofit/>
+          </a:bodyPr>
+          <a:p>
+            <a:pPr>
+              <a:lnSpc>
+                <a:spcPct val="100000"/>
+              </a:lnSpc>
+            </a:pPr>
             <a:r>
               <a:rPr b="0" lang="en-ID" sz="4400" spc="-1" strike="noStrike">
                 <a:latin typeface="Arial"/>
@@ -2307,6 +3300,29 @@
           </a:p>
         </p:txBody>
       </p:sp>
+      <p:pic>
+        <p:nvPicPr>
+          <p:cNvPr id="55" name="" descr=""/>
+          <p:cNvPicPr/>
+          <p:nvPr/>
+        </p:nvPicPr>
+        <p:blipFill>
+          <a:blip r:embed="rId1"/>
+          <a:stretch/>
+        </p:blipFill>
+        <p:spPr>
+          <a:xfrm>
+            <a:off x="457200" y="1371600"/>
+            <a:ext cx="9225720" cy="3225240"/>
+          </a:xfrm>
+          <a:prstGeom prst="rect">
+            <a:avLst/>
+          </a:prstGeom>
+          <a:ln>
+            <a:noFill/>
+          </a:ln>
+        </p:spPr>
+      </p:pic>
     </p:spTree>
   </p:cSld>
   <mc:AlternateContent>
